--- a/present/midterm/presentation.pptx
+++ b/present/midterm/presentation.pptx
@@ -140,14 +140,6 @@
     </p:ext>
   </p:extLst>
 </p:presentation>
-</file>
-
-<file path=ppt/revisionInfo.xml><?xml version="1.0" encoding="utf-8"?>
-<p1510:revInfo xmlns:a="http://schemas.openxmlformats.org/drawingml/2006/main" xmlns:r="http://schemas.openxmlformats.org/officeDocument/2006/relationships" xmlns:p1510="http://schemas.microsoft.com/office/powerpoint/2015/10/main">
-  <p1510:revLst>
-    <p1510:client id="{FA98E611-7EE5-4D53-A8F6-A8478DA16B0D}" v="157" dt="2023-03-20T07:18:48.152"/>
-  </p1510:revLst>
-</p1510:revInfo>
 </file>
 
 <file path=ppt/changesInfos/changesInfo1.xml><?xml version="1.0" encoding="utf-8"?>
@@ -2197,6 +2189,30 @@
       </pc:sldMasterChg>
     </pc:docChg>
   </pc:docChgLst>
+  <pc:docChgLst>
+    <pc:chgData name="Trung Nghia Nguyen" userId="caf0b1f78d203fdc" providerId="LiveId" clId="{C6AF0808-7746-4859-99F0-82225ECC4700}"/>
+    <pc:docChg chg="undo custSel modSld">
+      <pc:chgData name="Trung Nghia Nguyen" userId="caf0b1f78d203fdc" providerId="LiveId" clId="{C6AF0808-7746-4859-99F0-82225ECC4700}" dt="2023-04-07T07:07:35.269" v="73" actId="20577"/>
+      <pc:docMkLst>
+        <pc:docMk/>
+      </pc:docMkLst>
+      <pc:sldChg chg="modSp mod">
+        <pc:chgData name="Trung Nghia Nguyen" userId="caf0b1f78d203fdc" providerId="LiveId" clId="{C6AF0808-7746-4859-99F0-82225ECC4700}" dt="2023-04-07T07:07:35.269" v="73" actId="20577"/>
+        <pc:sldMkLst>
+          <pc:docMk/>
+          <pc:sldMk cId="2797651471" sldId="276"/>
+        </pc:sldMkLst>
+        <pc:graphicFrameChg chg="modGraphic">
+          <ac:chgData name="Trung Nghia Nguyen" userId="caf0b1f78d203fdc" providerId="LiveId" clId="{C6AF0808-7746-4859-99F0-82225ECC4700}" dt="2023-04-07T07:07:35.269" v="73" actId="20577"/>
+          <ac:graphicFrameMkLst>
+            <pc:docMk/>
+            <pc:sldMk cId="2797651471" sldId="276"/>
+            <ac:graphicFrameMk id="3" creationId="{5E8325E1-BDCF-5783-E97F-C770E7E58F6D}"/>
+          </ac:graphicFrameMkLst>
+        </pc:graphicFrameChg>
+      </pc:sldChg>
+    </pc:docChg>
+  </pc:docChgLst>
 </pc:chgInfo>
 </file>
 
@@ -2282,7 +2298,7 @@
           <a:p>
             <a:fld id="{51F95020-72AA-4787-B4DB-4E5B3A15E30F}" type="datetimeFigureOut">
               <a:rPr lang="en-US" smtClean="0"/>
-              <a:t>20/03/2023</a:t>
+              <a:t>07/04/2023</a:t>
             </a:fld>
             <a:endParaRPr lang="en-US"/>
           </a:p>
@@ -3679,7 +3695,7 @@
           <a:p>
             <a:fld id="{2AB4A3C8-EB3A-4B87-95B8-3265ADB47806}" type="datetimeFigureOut">
               <a:rPr lang="en-US" smtClean="0"/>
-              <a:t>20/03/2023</a:t>
+              <a:t>07/04/2023</a:t>
             </a:fld>
             <a:endParaRPr lang="en-US"/>
           </a:p>
@@ -3849,7 +3865,7 @@
           <a:p>
             <a:fld id="{2AB4A3C8-EB3A-4B87-95B8-3265ADB47806}" type="datetimeFigureOut">
               <a:rPr lang="en-US" smtClean="0"/>
-              <a:t>20/03/2023</a:t>
+              <a:t>07/04/2023</a:t>
             </a:fld>
             <a:endParaRPr lang="en-US"/>
           </a:p>
@@ -4029,7 +4045,7 @@
           <a:p>
             <a:fld id="{2AB4A3C8-EB3A-4B87-95B8-3265ADB47806}" type="datetimeFigureOut">
               <a:rPr lang="en-US" smtClean="0"/>
-              <a:t>20/03/2023</a:t>
+              <a:t>07/04/2023</a:t>
             </a:fld>
             <a:endParaRPr lang="en-US"/>
           </a:p>
@@ -4199,7 +4215,7 @@
           <a:p>
             <a:fld id="{2AB4A3C8-EB3A-4B87-95B8-3265ADB47806}" type="datetimeFigureOut">
               <a:rPr lang="en-US" smtClean="0"/>
-              <a:t>20/03/2023</a:t>
+              <a:t>07/04/2023</a:t>
             </a:fld>
             <a:endParaRPr lang="en-US"/>
           </a:p>
@@ -4443,7 +4459,7 @@
           <a:p>
             <a:fld id="{2AB4A3C8-EB3A-4B87-95B8-3265ADB47806}" type="datetimeFigureOut">
               <a:rPr lang="en-US" smtClean="0"/>
-              <a:t>20/03/2023</a:t>
+              <a:t>07/04/2023</a:t>
             </a:fld>
             <a:endParaRPr lang="en-US"/>
           </a:p>
@@ -4675,7 +4691,7 @@
           <a:p>
             <a:fld id="{2AB4A3C8-EB3A-4B87-95B8-3265ADB47806}" type="datetimeFigureOut">
               <a:rPr lang="en-US" smtClean="0"/>
-              <a:t>20/03/2023</a:t>
+              <a:t>07/04/2023</a:t>
             </a:fld>
             <a:endParaRPr lang="en-US"/>
           </a:p>
@@ -5042,7 +5058,7 @@
           <a:p>
             <a:fld id="{2AB4A3C8-EB3A-4B87-95B8-3265ADB47806}" type="datetimeFigureOut">
               <a:rPr lang="en-US" smtClean="0"/>
-              <a:t>20/03/2023</a:t>
+              <a:t>07/04/2023</a:t>
             </a:fld>
             <a:endParaRPr lang="en-US"/>
           </a:p>
@@ -5160,7 +5176,7 @@
           <a:p>
             <a:fld id="{2AB4A3C8-EB3A-4B87-95B8-3265ADB47806}" type="datetimeFigureOut">
               <a:rPr lang="en-US" smtClean="0"/>
-              <a:t>20/03/2023</a:t>
+              <a:t>07/04/2023</a:t>
             </a:fld>
             <a:endParaRPr lang="en-US"/>
           </a:p>
@@ -5255,7 +5271,7 @@
           <a:p>
             <a:fld id="{2AB4A3C8-EB3A-4B87-95B8-3265ADB47806}" type="datetimeFigureOut">
               <a:rPr lang="en-US" smtClean="0"/>
-              <a:t>20/03/2023</a:t>
+              <a:t>07/04/2023</a:t>
             </a:fld>
             <a:endParaRPr lang="en-US"/>
           </a:p>
@@ -5532,7 +5548,7 @@
           <a:p>
             <a:fld id="{2AB4A3C8-EB3A-4B87-95B8-3265ADB47806}" type="datetimeFigureOut">
               <a:rPr lang="en-US" smtClean="0"/>
-              <a:t>20/03/2023</a:t>
+              <a:t>07/04/2023</a:t>
             </a:fld>
             <a:endParaRPr lang="en-US"/>
           </a:p>
@@ -5788,7 +5804,7 @@
           <a:p>
             <a:fld id="{2AB4A3C8-EB3A-4B87-95B8-3265ADB47806}" type="datetimeFigureOut">
               <a:rPr lang="en-US" smtClean="0"/>
-              <a:t>20/03/2023</a:t>
+              <a:t>07/04/2023</a:t>
             </a:fld>
             <a:endParaRPr lang="en-US"/>
           </a:p>
@@ -6001,7 +6017,7 @@
           <a:p>
             <a:fld id="{2AB4A3C8-EB3A-4B87-95B8-3265ADB47806}" type="datetimeFigureOut">
               <a:rPr lang="en-US" smtClean="0"/>
-              <a:t>20/03/2023</a:t>
+              <a:t>07/04/2023</a:t>
             </a:fld>
             <a:endParaRPr lang="en-US"/>
           </a:p>
@@ -14948,14 +14964,14 @@
           <p:nvPr>
             <p:extLst>
               <p:ext uri="{D42A27DB-BD31-4B8C-83A1-F6EECF244321}">
-                <p14:modId xmlns:p14="http://schemas.microsoft.com/office/powerpoint/2010/main" val="2129380411"/>
+                <p14:modId xmlns:p14="http://schemas.microsoft.com/office/powerpoint/2010/main" val="2581995627"/>
               </p:ext>
             </p:extLst>
           </p:nvPr>
         </p:nvGraphicFramePr>
         <p:xfrm>
           <a:off x="1850248" y="1815894"/>
-          <a:ext cx="5443503" cy="2225040"/>
+          <a:ext cx="5443503" cy="2595880"/>
         </p:xfrm>
         <a:graphic>
           <a:graphicData uri="http://schemas.openxmlformats.org/drawingml/2006/table">
@@ -15090,7 +15106,7 @@
                           <a:latin typeface="Times New Roman" panose="02020603050405020304" pitchFamily="18" charset="0"/>
                           <a:cs typeface="Times New Roman" panose="02020603050405020304" pitchFamily="18" charset="0"/>
                         </a:rPr>
-                        <a:t>5 điểm</a:t>
+                        <a:t>2 điểm</a:t>
                       </a:r>
                     </a:p>
                   </a:txBody>
@@ -15148,7 +15164,7 @@
                           <a:latin typeface="Times New Roman" panose="02020603050405020304" pitchFamily="18" charset="0"/>
                           <a:cs typeface="Times New Roman" panose="02020603050405020304" pitchFamily="18" charset="0"/>
                         </a:rPr>
-                        <a:t>3 điểm</a:t>
+                        <a:t>2 điểm</a:t>
                       </a:r>
                     </a:p>
                   </a:txBody>
@@ -15206,7 +15222,7 @@
                           <a:latin typeface="Times New Roman" panose="02020603050405020304" pitchFamily="18" charset="0"/>
                           <a:cs typeface="Times New Roman" panose="02020603050405020304" pitchFamily="18" charset="0"/>
                         </a:rPr>
-                        <a:t>1 điểm</a:t>
+                        <a:t>2 điểm</a:t>
                       </a:r>
                     </a:p>
                   </a:txBody>
@@ -15264,7 +15280,7 @@
                           <a:latin typeface="Times New Roman" panose="02020603050405020304" pitchFamily="18" charset="0"/>
                           <a:cs typeface="Times New Roman" panose="02020603050405020304" pitchFamily="18" charset="0"/>
                         </a:rPr>
-                        <a:t>…</a:t>
+                        <a:t>2 điểm</a:t>
                       </a:r>
                     </a:p>
                   </a:txBody>
@@ -15273,6 +15289,55 @@
                 <a:extLst>
                   <a:ext uri="{0D108BD9-81ED-4DB2-BD59-A6C34878D82A}">
                     <a16:rowId xmlns:a16="http://schemas.microsoft.com/office/drawing/2014/main" val="3018478528"/>
+                  </a:ext>
+                </a:extLst>
+              </a:tr>
+              <a:tr h="370840">
+                <a:tc>
+                  <a:txBody>
+                    <a:bodyPr/>
+                    <a:lstStyle/>
+                    <a:p>
+                      <a:pPr algn="ctr"/>
+                      <a:endParaRPr lang="en-US">
+                        <a:latin typeface="Times New Roman" panose="02020603050405020304" pitchFamily="18" charset="0"/>
+                        <a:cs typeface="Times New Roman" panose="02020603050405020304" pitchFamily="18" charset="0"/>
+                      </a:endParaRPr>
+                    </a:p>
+                  </a:txBody>
+                  <a:tcPr/>
+                </a:tc>
+                <a:tc>
+                  <a:txBody>
+                    <a:bodyPr/>
+                    <a:lstStyle/>
+                    <a:p>
+                      <a:pPr algn="ctr"/>
+                      <a:endParaRPr lang="en-US">
+                        <a:latin typeface="Times New Roman" panose="02020603050405020304" pitchFamily="18" charset="0"/>
+                        <a:cs typeface="Times New Roman" panose="02020603050405020304" pitchFamily="18" charset="0"/>
+                      </a:endParaRPr>
+                    </a:p>
+                  </a:txBody>
+                  <a:tcPr/>
+                </a:tc>
+                <a:tc>
+                  <a:txBody>
+                    <a:bodyPr/>
+                    <a:lstStyle/>
+                    <a:p>
+                      <a:pPr algn="ctr"/>
+                      <a:endParaRPr lang="en-US">
+                        <a:latin typeface="Times New Roman" panose="02020603050405020304" pitchFamily="18" charset="0"/>
+                        <a:cs typeface="Times New Roman" panose="02020603050405020304" pitchFamily="18" charset="0"/>
+                      </a:endParaRPr>
+                    </a:p>
+                  </a:txBody>
+                  <a:tcPr/>
+                </a:tc>
+                <a:extLst>
+                  <a:ext uri="{0D108BD9-81ED-4DB2-BD59-A6C34878D82A}">
+                    <a16:rowId xmlns:a16="http://schemas.microsoft.com/office/drawing/2014/main" val="2432302117"/>
                   </a:ext>
                 </a:extLst>
               </a:tr>
@@ -15314,13 +15379,10 @@
                     <a:lstStyle/>
                     <a:p>
                       <a:pPr algn="ctr"/>
-                      <a:r>
-                        <a:rPr lang="en-US">
-                          <a:latin typeface="Times New Roman" panose="02020603050405020304" pitchFamily="18" charset="0"/>
-                          <a:cs typeface="Times New Roman" panose="02020603050405020304" pitchFamily="18" charset="0"/>
-                        </a:rPr>
-                        <a:t>…</a:t>
-                      </a:r>
+                      <a:endParaRPr lang="en-US">
+                        <a:latin typeface="Times New Roman" panose="02020603050405020304" pitchFamily="18" charset="0"/>
+                        <a:cs typeface="Times New Roman" panose="02020603050405020304" pitchFamily="18" charset="0"/>
+                      </a:endParaRPr>
                     </a:p>
                   </a:txBody>
                   <a:tcPr/>
